--- a/Figures/Pics/Drifter_ADCP_pics.pptx
+++ b/Figures/Pics/Drifter_ADCP_pics.pptx
@@ -105,6 +105,11 @@
       </a:defRPr>
     </a:lvl9pPr>
   </p:defaultTextStyle>
+  <p:extLst>
+    <p:ext uri="{EFAFB233-063F-42B5-8137-9DF3F51BA10A}">
+      <p15:sldGuideLst xmlns:p15="http://schemas.microsoft.com/office/powerpoint/2012/main"/>
+    </p:ext>
+  </p:extLst>
 </p:presentation>
 </file>
 
@@ -239,7 +244,7 @@
           <a:p>
             <a:fld id="{E19AC38F-2C80-488F-8198-FD4EEE524A31}" type="datetimeFigureOut">
               <a:rPr lang="en-US" smtClean="0"/>
-              <a:t>3/18/2015</a:t>
+              <a:t>1/6/2016</a:t>
             </a:fld>
             <a:endParaRPr lang="en-US"/>
           </a:p>
@@ -409,7 +414,7 @@
           <a:p>
             <a:fld id="{E19AC38F-2C80-488F-8198-FD4EEE524A31}" type="datetimeFigureOut">
               <a:rPr lang="en-US" smtClean="0"/>
-              <a:t>3/18/2015</a:t>
+              <a:t>1/6/2016</a:t>
             </a:fld>
             <a:endParaRPr lang="en-US"/>
           </a:p>
@@ -589,7 +594,7 @@
           <a:p>
             <a:fld id="{E19AC38F-2C80-488F-8198-FD4EEE524A31}" type="datetimeFigureOut">
               <a:rPr lang="en-US" smtClean="0"/>
-              <a:t>3/18/2015</a:t>
+              <a:t>1/6/2016</a:t>
             </a:fld>
             <a:endParaRPr lang="en-US"/>
           </a:p>
@@ -759,7 +764,7 @@
           <a:p>
             <a:fld id="{E19AC38F-2C80-488F-8198-FD4EEE524A31}" type="datetimeFigureOut">
               <a:rPr lang="en-US" smtClean="0"/>
-              <a:t>3/18/2015</a:t>
+              <a:t>1/6/2016</a:t>
             </a:fld>
             <a:endParaRPr lang="en-US"/>
           </a:p>
@@ -1003,7 +1008,7 @@
           <a:p>
             <a:fld id="{E19AC38F-2C80-488F-8198-FD4EEE524A31}" type="datetimeFigureOut">
               <a:rPr lang="en-US" smtClean="0"/>
-              <a:t>3/18/2015</a:t>
+              <a:t>1/6/2016</a:t>
             </a:fld>
             <a:endParaRPr lang="en-US"/>
           </a:p>
@@ -1235,7 +1240,7 @@
           <a:p>
             <a:fld id="{E19AC38F-2C80-488F-8198-FD4EEE524A31}" type="datetimeFigureOut">
               <a:rPr lang="en-US" smtClean="0"/>
-              <a:t>3/18/2015</a:t>
+              <a:t>1/6/2016</a:t>
             </a:fld>
             <a:endParaRPr lang="en-US"/>
           </a:p>
@@ -1602,7 +1607,7 @@
           <a:p>
             <a:fld id="{E19AC38F-2C80-488F-8198-FD4EEE524A31}" type="datetimeFigureOut">
               <a:rPr lang="en-US" smtClean="0"/>
-              <a:t>3/18/2015</a:t>
+              <a:t>1/6/2016</a:t>
             </a:fld>
             <a:endParaRPr lang="en-US"/>
           </a:p>
@@ -1720,7 +1725,7 @@
           <a:p>
             <a:fld id="{E19AC38F-2C80-488F-8198-FD4EEE524A31}" type="datetimeFigureOut">
               <a:rPr lang="en-US" smtClean="0"/>
-              <a:t>3/18/2015</a:t>
+              <a:t>1/6/2016</a:t>
             </a:fld>
             <a:endParaRPr lang="en-US"/>
           </a:p>
@@ -1815,7 +1820,7 @@
           <a:p>
             <a:fld id="{E19AC38F-2C80-488F-8198-FD4EEE524A31}" type="datetimeFigureOut">
               <a:rPr lang="en-US" smtClean="0"/>
-              <a:t>3/18/2015</a:t>
+              <a:t>1/6/2016</a:t>
             </a:fld>
             <a:endParaRPr lang="en-US"/>
           </a:p>
@@ -2092,7 +2097,7 @@
           <a:p>
             <a:fld id="{E19AC38F-2C80-488F-8198-FD4EEE524A31}" type="datetimeFigureOut">
               <a:rPr lang="en-US" smtClean="0"/>
-              <a:t>3/18/2015</a:t>
+              <a:t>1/6/2016</a:t>
             </a:fld>
             <a:endParaRPr lang="en-US"/>
           </a:p>
@@ -2349,7 +2354,7 @@
           <a:p>
             <a:fld id="{E19AC38F-2C80-488F-8198-FD4EEE524A31}" type="datetimeFigureOut">
               <a:rPr lang="en-US" smtClean="0"/>
-              <a:t>3/18/2015</a:t>
+              <a:t>1/6/2016</a:t>
             </a:fld>
             <a:endParaRPr lang="en-US"/>
           </a:p>
@@ -2562,7 +2567,7 @@
           <a:p>
             <a:fld id="{E19AC38F-2C80-488F-8198-FD4EEE524A31}" type="datetimeFigureOut">
               <a:rPr lang="en-US" smtClean="0"/>
-              <a:t>3/18/2015</a:t>
+              <a:t>1/6/2016</a:t>
             </a:fld>
             <a:endParaRPr lang="en-US"/>
           </a:p>
@@ -3193,6 +3198,130 @@
           </a:prstGeom>
         </p:spPr>
       </p:pic>
+      <p:sp>
+        <p:nvSpPr>
+          <p:cNvPr id="7" name="TextBox 6"/>
+          <p:cNvSpPr txBox="1"/>
+          <p:nvPr/>
+        </p:nvSpPr>
+        <p:spPr>
+          <a:xfrm>
+            <a:off x="0" y="0"/>
+            <a:ext cx="395021" cy="400110"/>
+          </a:xfrm>
+          <a:prstGeom prst="rect">
+            <a:avLst/>
+          </a:prstGeom>
+          <a:noFill/>
+        </p:spPr>
+        <p:txBody>
+          <a:bodyPr wrap="square" rtlCol="0">
+            <a:spAutoFit/>
+          </a:bodyPr>
+          <a:lstStyle/>
+          <a:p>
+            <a:r>
+              <a:rPr lang="en-US" sz="2000" b="1" dirty="0" smtClean="0"/>
+              <a:t>a)</a:t>
+            </a:r>
+            <a:endParaRPr lang="en-US" sz="2000" b="1" dirty="0"/>
+          </a:p>
+        </p:txBody>
+      </p:sp>
+      <p:sp>
+        <p:nvSpPr>
+          <p:cNvPr id="8" name="TextBox 7"/>
+          <p:cNvSpPr txBox="1"/>
+          <p:nvPr/>
+        </p:nvSpPr>
+        <p:spPr>
+          <a:xfrm>
+            <a:off x="2872941" y="-1"/>
+            <a:ext cx="418899" cy="400110"/>
+          </a:xfrm>
+          <a:prstGeom prst="rect">
+            <a:avLst/>
+          </a:prstGeom>
+          <a:noFill/>
+        </p:spPr>
+        <p:txBody>
+          <a:bodyPr wrap="square" rtlCol="0">
+            <a:spAutoFit/>
+          </a:bodyPr>
+          <a:lstStyle/>
+          <a:p>
+            <a:r>
+              <a:rPr lang="en-US" sz="2000" b="1" dirty="0"/>
+              <a:t>b</a:t>
+            </a:r>
+            <a:r>
+              <a:rPr lang="en-US" sz="2000" b="1" dirty="0" smtClean="0"/>
+              <a:t>)</a:t>
+            </a:r>
+            <a:endParaRPr lang="en-US" sz="2000" b="1" dirty="0"/>
+          </a:p>
+        </p:txBody>
+      </p:sp>
+      <p:sp>
+        <p:nvSpPr>
+          <p:cNvPr id="9" name="TextBox 8"/>
+          <p:cNvSpPr txBox="1"/>
+          <p:nvPr/>
+        </p:nvSpPr>
+        <p:spPr>
+          <a:xfrm>
+            <a:off x="0" y="1624063"/>
+            <a:ext cx="418899" cy="400110"/>
+          </a:xfrm>
+          <a:prstGeom prst="rect">
+            <a:avLst/>
+          </a:prstGeom>
+          <a:noFill/>
+        </p:spPr>
+        <p:txBody>
+          <a:bodyPr wrap="square" rtlCol="0">
+            <a:spAutoFit/>
+          </a:bodyPr>
+          <a:lstStyle/>
+          <a:p>
+            <a:r>
+              <a:rPr lang="en-US" sz="2000" b="1" dirty="0" smtClean="0"/>
+              <a:t>c)</a:t>
+            </a:r>
+            <a:endParaRPr lang="en-US" sz="2000" b="1" dirty="0"/>
+          </a:p>
+        </p:txBody>
+      </p:sp>
+      <p:sp>
+        <p:nvSpPr>
+          <p:cNvPr id="10" name="TextBox 9"/>
+          <p:cNvSpPr txBox="1"/>
+          <p:nvPr/>
+        </p:nvSpPr>
+        <p:spPr>
+          <a:xfrm>
+            <a:off x="2530663" y="1636296"/>
+            <a:ext cx="418899" cy="400110"/>
+          </a:xfrm>
+          <a:prstGeom prst="rect">
+            <a:avLst/>
+          </a:prstGeom>
+          <a:noFill/>
+        </p:spPr>
+        <p:txBody>
+          <a:bodyPr wrap="square" rtlCol="0">
+            <a:spAutoFit/>
+          </a:bodyPr>
+          <a:lstStyle/>
+          <a:p>
+            <a:r>
+              <a:rPr lang="en-US" sz="2000" b="1" dirty="0" smtClean="0"/>
+              <a:t>d)</a:t>
+            </a:r>
+            <a:endParaRPr lang="en-US" sz="2000" b="1" dirty="0"/>
+          </a:p>
+        </p:txBody>
+      </p:sp>
     </p:spTree>
     <p:extLst>
       <p:ext uri="{BB962C8B-B14F-4D97-AF65-F5344CB8AC3E}">
